--- a/L04P01 - Raspberry Pi - IOT 1/L04P01 - Week 2 - GPIO.pptx
+++ b/L04P01 - Raspberry Pi - IOT 1/L04P01 - Week 2 - GPIO.pptx
@@ -6,21 +6,24 @@
     <p:sldMasterId id="2147483670" r:id="rId5"/>
   </p:sldMasterIdLst>
   <p:notesMasterIdLst>
-    <p:notesMasterId r:id="rId15"/>
+    <p:notesMasterId r:id="rId18"/>
   </p:notesMasterIdLst>
   <p:handoutMasterIdLst>
-    <p:handoutMasterId r:id="rId16"/>
+    <p:handoutMasterId r:id="rId19"/>
   </p:handoutMasterIdLst>
   <p:sldIdLst>
     <p:sldId id="256" r:id="rId6"/>
-    <p:sldId id="388" r:id="rId7"/>
-    <p:sldId id="390" r:id="rId8"/>
-    <p:sldId id="391" r:id="rId9"/>
-    <p:sldId id="392" r:id="rId10"/>
-    <p:sldId id="389" r:id="rId11"/>
-    <p:sldId id="394" r:id="rId12"/>
-    <p:sldId id="393" r:id="rId13"/>
-    <p:sldId id="387" r:id="rId14"/>
+    <p:sldId id="257" r:id="rId7"/>
+    <p:sldId id="395" r:id="rId8"/>
+    <p:sldId id="396" r:id="rId9"/>
+    <p:sldId id="388" r:id="rId10"/>
+    <p:sldId id="390" r:id="rId11"/>
+    <p:sldId id="391" r:id="rId12"/>
+    <p:sldId id="392" r:id="rId13"/>
+    <p:sldId id="389" r:id="rId14"/>
+    <p:sldId id="394" r:id="rId15"/>
+    <p:sldId id="393" r:id="rId16"/>
+    <p:sldId id="387" r:id="rId17"/>
   </p:sldIdLst>
   <p:sldSz cx="12192000" cy="6858000"/>
   <p:notesSz cx="6797675" cy="9926638"/>
@@ -905,7 +908,7 @@
           <a:p>
             <a:fld id="{25ED37B6-3D2B-42F6-B75F-7E9C925A2B78}" type="datetimeFigureOut">
               <a:rPr lang="nl-NL" smtClean="0"/>
-              <a:t>28-08-2023</a:t>
+              <a:t>14-09-2023</a:t>
             </a:fld>
             <a:endParaRPr lang="nl-NL"/>
           </a:p>
@@ -1070,7 +1073,7 @@
           <a:p>
             <a:fld id="{67D95C54-6F9B-4C49-BF56-4D62B2D71ED9}" type="datetimeFigureOut">
               <a:rPr lang="nl-NL" smtClean="0"/>
-              <a:t>28-08-2023</a:t>
+              <a:t>14-09-2023</a:t>
             </a:fld>
             <a:endParaRPr lang="nl-NL"/>
           </a:p>
@@ -1383,7 +1386,7 @@
           <a:p>
             <a:r>
               <a:rPr lang="en-NL" dirty="0"/>
-              <a:t>Let op dat er geen analoge poorten zijn. </a:t>
+              <a:t>Tot nu toe hebben we gewerkt met de Pico en de WeMos. Nu hetzelfde doen met de Pi</a:t>
             </a:r>
           </a:p>
         </p:txBody>
@@ -1405,7 +1408,7 @@
           <a:p>
             <a:fld id="{03F426EE-4AAC-45A7-A5E5-372300C4F3E7}" type="slidenum">
               <a:rPr lang="nl-NL" smtClean="0"/>
-              <a:t>2</a:t>
+              <a:t>4</a:t>
             </a:fld>
             <a:endParaRPr lang="nl-NL"/>
           </a:p>
@@ -1414,7 +1417,7 @@
     </p:spTree>
     <p:extLst>
       <p:ext uri="{BB962C8B-B14F-4D97-AF65-F5344CB8AC3E}">
-        <p14:creationId xmlns:p14="http://schemas.microsoft.com/office/powerpoint/2010/main" val="1264036881"/>
+        <p14:creationId xmlns:p14="http://schemas.microsoft.com/office/powerpoint/2010/main" val="1113123985"/>
       </p:ext>
     </p:extLst>
   </p:cSld>
@@ -1470,7 +1473,7 @@
           <a:p>
             <a:r>
               <a:rPr lang="en-NL" dirty="0"/>
-              <a:t>Rarpberry Pi heeft GEEN analoge poort, daarom kunnen we een ADC gebruiken.</a:t>
+              <a:t>Let op dat er geen analoge poorten zijn. </a:t>
             </a:r>
           </a:p>
         </p:txBody>
@@ -1492,7 +1495,94 @@
           <a:p>
             <a:fld id="{03F426EE-4AAC-45A7-A5E5-372300C4F3E7}" type="slidenum">
               <a:rPr lang="nl-NL" smtClean="0"/>
-              <a:t>6</a:t>
+              <a:t>5</a:t>
+            </a:fld>
+            <a:endParaRPr lang="nl-NL"/>
+          </a:p>
+        </p:txBody>
+      </p:sp>
+    </p:spTree>
+    <p:extLst>
+      <p:ext uri="{BB962C8B-B14F-4D97-AF65-F5344CB8AC3E}">
+        <p14:creationId xmlns:p14="http://schemas.microsoft.com/office/powerpoint/2010/main" val="1264036881"/>
+      </p:ext>
+    </p:extLst>
+  </p:cSld>
+  <p:clrMapOvr>
+    <a:masterClrMapping/>
+  </p:clrMapOvr>
+</p:notes>
+</file>
+
+<file path=ppt/notesSlides/notesSlide3.xml><?xml version="1.0" encoding="utf-8"?>
+<p:notes xmlns:a="http://schemas.openxmlformats.org/drawingml/2006/main" xmlns:r="http://schemas.openxmlformats.org/officeDocument/2006/relationships" xmlns:p="http://schemas.openxmlformats.org/presentationml/2006/main">
+  <p:cSld>
+    <p:spTree>
+      <p:nvGrpSpPr>
+        <p:cNvPr id="1" name=""/>
+        <p:cNvGrpSpPr/>
+        <p:nvPr/>
+      </p:nvGrpSpPr>
+      <p:grpSpPr>
+        <a:xfrm>
+          <a:off x="0" y="0"/>
+          <a:ext cx="0" cy="0"/>
+          <a:chOff x="0" y="0"/>
+          <a:chExt cx="0" cy="0"/>
+        </a:xfrm>
+      </p:grpSpPr>
+      <p:sp>
+        <p:nvSpPr>
+          <p:cNvPr id="2" name="Slide Image Placeholder 1"/>
+          <p:cNvSpPr>
+            <a:spLocks noGrp="1" noRot="1" noChangeAspect="1"/>
+          </p:cNvSpPr>
+          <p:nvPr>
+            <p:ph type="sldImg"/>
+          </p:nvPr>
+        </p:nvSpPr>
+        <p:spPr/>
+      </p:sp>
+      <p:sp>
+        <p:nvSpPr>
+          <p:cNvPr id="3" name="Notes Placeholder 2"/>
+          <p:cNvSpPr>
+            <a:spLocks noGrp="1"/>
+          </p:cNvSpPr>
+          <p:nvPr>
+            <p:ph type="body" idx="1"/>
+          </p:nvPr>
+        </p:nvSpPr>
+        <p:spPr/>
+        <p:txBody>
+          <a:bodyPr/>
+          <a:lstStyle/>
+          <a:p>
+            <a:r>
+              <a:rPr lang="en-NL" dirty="0"/>
+              <a:t>Rarpberry Pi heeft GEEN analoge poort, daarom kunnen we een ADC gebruiken.</a:t>
+            </a:r>
+          </a:p>
+        </p:txBody>
+      </p:sp>
+      <p:sp>
+        <p:nvSpPr>
+          <p:cNvPr id="4" name="Slide Number Placeholder 3"/>
+          <p:cNvSpPr>
+            <a:spLocks noGrp="1"/>
+          </p:cNvSpPr>
+          <p:nvPr>
+            <p:ph type="sldNum" sz="quarter" idx="5"/>
+          </p:nvPr>
+        </p:nvSpPr>
+        <p:spPr/>
+        <p:txBody>
+          <a:bodyPr/>
+          <a:lstStyle/>
+          <a:p>
+            <a:fld id="{03F426EE-4AAC-45A7-A5E5-372300C4F3E7}" type="slidenum">
+              <a:rPr lang="nl-NL" smtClean="0"/>
+              <a:t>9</a:t>
             </a:fld>
             <a:endParaRPr lang="nl-NL"/>
           </a:p>
@@ -1675,6 +1765,249 @@
 </file>
 
 <file path=ppt/slideLayouts/slideLayout10.xml><?xml version="1.0" encoding="utf-8"?>
+<p:sldLayout xmlns:a="http://schemas.openxmlformats.org/drawingml/2006/main" xmlns:r="http://schemas.openxmlformats.org/officeDocument/2006/relationships" xmlns:p="http://schemas.openxmlformats.org/presentationml/2006/main" preserve="1" userDrawn="1">
+  <p:cSld name="Content pagina 1">
+    <p:spTree>
+      <p:nvGrpSpPr>
+        <p:cNvPr id="1" name=""/>
+        <p:cNvGrpSpPr/>
+        <p:nvPr/>
+      </p:nvGrpSpPr>
+      <p:grpSpPr>
+        <a:xfrm>
+          <a:off x="0" y="0"/>
+          <a:ext cx="0" cy="0"/>
+          <a:chOff x="0" y="0"/>
+          <a:chExt cx="0" cy="0"/>
+        </a:xfrm>
+      </p:grpSpPr>
+      <p:sp>
+        <p:nvSpPr>
+          <p:cNvPr id="2" name="Titel 1">
+            <a:extLst>
+              <a:ext uri="{FF2B5EF4-FFF2-40B4-BE49-F238E27FC236}">
+                <a16:creationId xmlns:a16="http://schemas.microsoft.com/office/drawing/2014/main" id="{3400A9EC-8FAC-414E-A6AE-B6CCD6755AB9}"/>
+              </a:ext>
+            </a:extLst>
+          </p:cNvPr>
+          <p:cNvSpPr>
+            <a:spLocks noGrp="1"/>
+          </p:cNvSpPr>
+          <p:nvPr>
+            <p:ph type="title"/>
+          </p:nvPr>
+        </p:nvSpPr>
+        <p:spPr>
+          <a:xfrm>
+            <a:off x="839788" y="365125"/>
+            <a:ext cx="10515600" cy="1325563"/>
+          </a:xfrm>
+        </p:spPr>
+        <p:txBody>
+          <a:bodyPr/>
+          <a:lstStyle/>
+          <a:p>
+            <a:r>
+              <a:rPr lang="nl-NL" dirty="0"/>
+              <a:t>Klik om de stijl te bewerken</a:t>
+            </a:r>
+          </a:p>
+        </p:txBody>
+      </p:sp>
+      <p:sp>
+        <p:nvSpPr>
+          <p:cNvPr id="4" name="Tijdelijke aanduiding voor inhoud 3">
+            <a:extLst>
+              <a:ext uri="{FF2B5EF4-FFF2-40B4-BE49-F238E27FC236}">
+                <a16:creationId xmlns:a16="http://schemas.microsoft.com/office/drawing/2014/main" id="{2AA898FB-975C-496C-98BF-7A78075EA42F}"/>
+              </a:ext>
+            </a:extLst>
+          </p:cNvPr>
+          <p:cNvSpPr>
+            <a:spLocks noGrp="1"/>
+          </p:cNvSpPr>
+          <p:nvPr>
+            <p:ph sz="half" idx="2"/>
+          </p:nvPr>
+        </p:nvSpPr>
+        <p:spPr>
+          <a:xfrm>
+            <a:off x="838800" y="1825200"/>
+            <a:ext cx="10515600" cy="4352400"/>
+          </a:xfrm>
+        </p:spPr>
+        <p:txBody>
+          <a:bodyPr/>
+          <a:lstStyle/>
+          <a:p>
+            <a:pPr lvl="0"/>
+            <a:r>
+              <a:rPr lang="nl-NL" dirty="0"/>
+              <a:t>Tekststijl van het model bewerken</a:t>
+            </a:r>
+          </a:p>
+          <a:p>
+            <a:pPr lvl="1"/>
+            <a:r>
+              <a:rPr lang="nl-NL" dirty="0"/>
+              <a:t>Tweede niveau</a:t>
+            </a:r>
+          </a:p>
+          <a:p>
+            <a:pPr lvl="2"/>
+            <a:r>
+              <a:rPr lang="nl-NL" dirty="0"/>
+              <a:t>Derde niveau</a:t>
+            </a:r>
+          </a:p>
+          <a:p>
+            <a:pPr lvl="3"/>
+            <a:r>
+              <a:rPr lang="nl-NL" dirty="0"/>
+              <a:t>Vierde niveau</a:t>
+            </a:r>
+          </a:p>
+          <a:p>
+            <a:pPr lvl="4"/>
+            <a:r>
+              <a:rPr lang="nl-NL" dirty="0"/>
+              <a:t>Vijfde niveau</a:t>
+            </a:r>
+          </a:p>
+        </p:txBody>
+      </p:sp>
+      <p:sp>
+        <p:nvSpPr>
+          <p:cNvPr id="5" name="Tijdelijke aanduiding voor tekst 4">
+            <a:extLst>
+              <a:ext uri="{FF2B5EF4-FFF2-40B4-BE49-F238E27FC236}">
+                <a16:creationId xmlns:a16="http://schemas.microsoft.com/office/drawing/2014/main" id="{3EAD1E7F-5B20-4CD5-A6F0-9C76E574AD9E}"/>
+              </a:ext>
+            </a:extLst>
+          </p:cNvPr>
+          <p:cNvSpPr>
+            <a:spLocks noGrp="1"/>
+          </p:cNvSpPr>
+          <p:nvPr>
+            <p:ph type="body" sz="quarter" idx="3" hasCustomPrompt="1"/>
+          </p:nvPr>
+        </p:nvSpPr>
+        <p:spPr>
+          <a:xfrm>
+            <a:off x="10492320" y="6425013"/>
+            <a:ext cx="1699680" cy="275908"/>
+          </a:xfrm>
+        </p:spPr>
+        <p:txBody>
+          <a:bodyPr anchor="b">
+            <a:normAutofit/>
+          </a:bodyPr>
+          <a:lstStyle>
+            <a:lvl1pPr marL="0" indent="0">
+              <a:buNone/>
+              <a:defRPr sz="1000" b="1">
+                <a:solidFill>
+                  <a:schemeClr val="tx1"/>
+                </a:solidFill>
+              </a:defRPr>
+            </a:lvl1pPr>
+            <a:lvl2pPr marL="457200" indent="0">
+              <a:buNone/>
+              <a:defRPr sz="2000" b="1"/>
+            </a:lvl2pPr>
+            <a:lvl3pPr marL="914400" indent="0">
+              <a:buNone/>
+              <a:defRPr sz="1800" b="1"/>
+            </a:lvl3pPr>
+            <a:lvl4pPr marL="1371600" indent="0">
+              <a:buNone/>
+              <a:defRPr sz="1600" b="1"/>
+            </a:lvl4pPr>
+            <a:lvl5pPr marL="1828800" indent="0">
+              <a:buNone/>
+              <a:defRPr sz="1600" b="1"/>
+            </a:lvl5pPr>
+            <a:lvl6pPr marL="2286000" indent="0">
+              <a:buNone/>
+              <a:defRPr sz="1600" b="1"/>
+            </a:lvl6pPr>
+            <a:lvl7pPr marL="2743200" indent="0">
+              <a:buNone/>
+              <a:defRPr sz="1600" b="1"/>
+            </a:lvl7pPr>
+            <a:lvl8pPr marL="3200400" indent="0">
+              <a:buNone/>
+              <a:defRPr sz="1600" b="1"/>
+            </a:lvl8pPr>
+            <a:lvl9pPr marL="3657600" indent="0">
+              <a:buNone/>
+              <a:defRPr sz="1600" b="1"/>
+            </a:lvl9pPr>
+          </a:lstStyle>
+          <a:p>
+            <a:pPr lvl="0"/>
+            <a:r>
+              <a:rPr lang="nl-NL" dirty="0"/>
+              <a:t>Vul hier bedrijfsnaam in</a:t>
+            </a:r>
+          </a:p>
+        </p:txBody>
+      </p:sp>
+      <p:sp>
+        <p:nvSpPr>
+          <p:cNvPr id="10" name="Tekstvak 9">
+            <a:extLst>
+              <a:ext uri="{FF2B5EF4-FFF2-40B4-BE49-F238E27FC236}">
+                <a16:creationId xmlns:a16="http://schemas.microsoft.com/office/drawing/2014/main" id="{8881721C-29A2-4908-82A1-0902A200B9DB}"/>
+              </a:ext>
+            </a:extLst>
+          </p:cNvPr>
+          <p:cNvSpPr txBox="1"/>
+          <p:nvPr userDrawn="1"/>
+        </p:nvSpPr>
+        <p:spPr>
+          <a:xfrm>
+            <a:off x="9637200" y="6454800"/>
+            <a:ext cx="1717040" cy="246221"/>
+          </a:xfrm>
+          <a:prstGeom prst="rect">
+            <a:avLst/>
+          </a:prstGeom>
+          <a:noFill/>
+        </p:spPr>
+        <p:txBody>
+          <a:bodyPr wrap="square" rtlCol="0">
+            <a:spAutoFit/>
+          </a:bodyPr>
+          <a:lstStyle/>
+          <a:p>
+            <a:r>
+              <a:rPr lang="nl-NL" sz="1000" b="1" dirty="0">
+                <a:solidFill>
+                  <a:srgbClr val="9E9F9E"/>
+                </a:solidFill>
+                <a:latin typeface="Arial" panose="020B0604020202020204" pitchFamily="34" charset="0"/>
+                <a:cs typeface="Arial" panose="020B0604020202020204" pitchFamily="34" charset="0"/>
+              </a:rPr>
+              <a:t>Da Vinci voor</a:t>
+            </a:r>
+          </a:p>
+        </p:txBody>
+      </p:sp>
+    </p:spTree>
+    <p:extLst>
+      <p:ext uri="{BB962C8B-B14F-4D97-AF65-F5344CB8AC3E}">
+        <p14:creationId xmlns:p14="http://schemas.microsoft.com/office/powerpoint/2010/main" val="3272767773"/>
+      </p:ext>
+    </p:extLst>
+  </p:cSld>
+  <p:clrMapOvr>
+    <a:masterClrMapping/>
+  </p:clrMapOvr>
+</p:sldLayout>
+</file>
+
+<file path=ppt/slideLayouts/slideLayout11.xml><?xml version="1.0" encoding="utf-8"?>
 <p:sldLayout xmlns:a="http://schemas.openxmlformats.org/drawingml/2006/main" xmlns:r="http://schemas.openxmlformats.org/officeDocument/2006/relationships" xmlns:p="http://schemas.openxmlformats.org/presentationml/2006/main" type="twoTxTwoObj" preserve="1">
   <p:cSld name="Content pagina 2">
     <p:spTree>
@@ -2033,7 +2366,7 @@
 </p:sldLayout>
 </file>
 
-<file path=ppt/slideLayouts/slideLayout11.xml><?xml version="1.0" encoding="utf-8"?>
+<file path=ppt/slideLayouts/slideLayout12.xml><?xml version="1.0" encoding="utf-8"?>
 <p:sldLayout xmlns:a="http://schemas.openxmlformats.org/drawingml/2006/main" xmlns:r="http://schemas.openxmlformats.org/officeDocument/2006/relationships" xmlns:p="http://schemas.openxmlformats.org/presentationml/2006/main" preserve="1" userDrawn="1">
   <p:cSld name="Content pagina 3">
     <p:spTree>
@@ -2338,7 +2671,7 @@
 </p:sldLayout>
 </file>
 
-<file path=ppt/slideLayouts/slideLayout12.xml><?xml version="1.0" encoding="utf-8"?>
+<file path=ppt/slideLayouts/slideLayout13.xml><?xml version="1.0" encoding="utf-8"?>
 <p:sldLayout xmlns:a="http://schemas.openxmlformats.org/drawingml/2006/main" xmlns:r="http://schemas.openxmlformats.org/officeDocument/2006/relationships" xmlns:p="http://schemas.openxmlformats.org/presentationml/2006/main" preserve="1" userDrawn="1">
   <p:cSld name="Content pagina 4">
     <p:spTree>
@@ -2797,7 +3130,7 @@
 </p:sldLayout>
 </file>
 
-<file path=ppt/slideLayouts/slideLayout13.xml><?xml version="1.0" encoding="utf-8"?>
+<file path=ppt/slideLayouts/slideLayout14.xml><?xml version="1.0" encoding="utf-8"?>
 <p:sldLayout xmlns:a="http://schemas.openxmlformats.org/drawingml/2006/main" xmlns:r="http://schemas.openxmlformats.org/officeDocument/2006/relationships" xmlns:p="http://schemas.openxmlformats.org/presentationml/2006/main" preserve="1" userDrawn="1">
   <p:cSld name="Content pagina 5">
     <p:spTree>
@@ -2978,7 +3311,7 @@
 </p:sldLayout>
 </file>
 
-<file path=ppt/slideLayouts/slideLayout14.xml><?xml version="1.0" encoding="utf-8"?>
+<file path=ppt/slideLayouts/slideLayout15.xml><?xml version="1.0" encoding="utf-8"?>
 <p:sldLayout xmlns:a="http://schemas.openxmlformats.org/drawingml/2006/main" xmlns:r="http://schemas.openxmlformats.org/officeDocument/2006/relationships" xmlns:p="http://schemas.openxmlformats.org/presentationml/2006/main" preserve="1" userDrawn="1">
   <p:cSld name="Achterblad">
     <p:bg>
@@ -4229,6 +4562,206 @@
 </file>
 
 <file path=ppt/slideLayouts/slideLayout8.xml><?xml version="1.0" encoding="utf-8"?>
+<p:sldLayout xmlns:a="http://schemas.openxmlformats.org/drawingml/2006/main" xmlns:r="http://schemas.openxmlformats.org/officeDocument/2006/relationships" xmlns:p="http://schemas.openxmlformats.org/presentationml/2006/main" type="obj">
+  <p:cSld name="Title and Content">
+    <p:spTree>
+      <p:nvGrpSpPr>
+        <p:cNvPr id="1" name=""/>
+        <p:cNvGrpSpPr/>
+        <p:nvPr/>
+      </p:nvGrpSpPr>
+      <p:grpSpPr>
+        <a:xfrm>
+          <a:off x="0" y="0"/>
+          <a:ext cx="0" cy="0"/>
+          <a:chOff x="0" y="0"/>
+          <a:chExt cx="0" cy="0"/>
+        </a:xfrm>
+      </p:grpSpPr>
+      <p:sp>
+        <p:nvSpPr>
+          <p:cNvPr id="2" name="Title 1">
+            <a:extLst>
+              <a:ext uri="{FF2B5EF4-FFF2-40B4-BE49-F238E27FC236}">
+                <a16:creationId xmlns:a16="http://schemas.microsoft.com/office/drawing/2014/main" id="{2B6A7B49-4156-CAA8-F7A8-F3F86C43BE02}"/>
+              </a:ext>
+            </a:extLst>
+          </p:cNvPr>
+          <p:cNvSpPr>
+            <a:spLocks noGrp="1"/>
+          </p:cNvSpPr>
+          <p:nvPr>
+            <p:ph type="title"/>
+          </p:nvPr>
+        </p:nvSpPr>
+        <p:spPr/>
+        <p:txBody>
+          <a:bodyPr/>
+          <a:lstStyle/>
+          <a:p>
+            <a:r>
+              <a:rPr lang="en-GB"/>
+              <a:t>Click to edit Master title style</a:t>
+            </a:r>
+            <a:endParaRPr lang="en-NL"/>
+          </a:p>
+        </p:txBody>
+      </p:sp>
+      <p:sp>
+        <p:nvSpPr>
+          <p:cNvPr id="3" name="Content Placeholder 2">
+            <a:extLst>
+              <a:ext uri="{FF2B5EF4-FFF2-40B4-BE49-F238E27FC236}">
+                <a16:creationId xmlns:a16="http://schemas.microsoft.com/office/drawing/2014/main" id="{8AFD1AD9-C260-52D7-E398-98BE83F6A1E6}"/>
+              </a:ext>
+            </a:extLst>
+          </p:cNvPr>
+          <p:cNvSpPr>
+            <a:spLocks noGrp="1"/>
+          </p:cNvSpPr>
+          <p:nvPr>
+            <p:ph idx="1"/>
+          </p:nvPr>
+        </p:nvSpPr>
+        <p:spPr/>
+        <p:txBody>
+          <a:bodyPr/>
+          <a:lstStyle/>
+          <a:p>
+            <a:pPr lvl="0"/>
+            <a:r>
+              <a:rPr lang="en-GB"/>
+              <a:t>Click to edit Master text styles</a:t>
+            </a:r>
+          </a:p>
+          <a:p>
+            <a:pPr lvl="1"/>
+            <a:r>
+              <a:rPr lang="en-GB"/>
+              <a:t>Second level</a:t>
+            </a:r>
+          </a:p>
+          <a:p>
+            <a:pPr lvl="2"/>
+            <a:r>
+              <a:rPr lang="en-GB"/>
+              <a:t>Third level</a:t>
+            </a:r>
+          </a:p>
+          <a:p>
+            <a:pPr lvl="3"/>
+            <a:r>
+              <a:rPr lang="en-GB"/>
+              <a:t>Fourth level</a:t>
+            </a:r>
+          </a:p>
+          <a:p>
+            <a:pPr lvl="4"/>
+            <a:r>
+              <a:rPr lang="en-GB"/>
+              <a:t>Fifth level</a:t>
+            </a:r>
+            <a:endParaRPr lang="en-NL"/>
+          </a:p>
+        </p:txBody>
+      </p:sp>
+      <p:sp>
+        <p:nvSpPr>
+          <p:cNvPr id="4" name="Date Placeholder 3">
+            <a:extLst>
+              <a:ext uri="{FF2B5EF4-FFF2-40B4-BE49-F238E27FC236}">
+                <a16:creationId xmlns:a16="http://schemas.microsoft.com/office/drawing/2014/main" id="{C06917E0-76FE-846C-0AD8-3B7AA37AD7DE}"/>
+              </a:ext>
+            </a:extLst>
+          </p:cNvPr>
+          <p:cNvSpPr>
+            <a:spLocks noGrp="1"/>
+          </p:cNvSpPr>
+          <p:nvPr>
+            <p:ph type="dt" sz="half" idx="10"/>
+          </p:nvPr>
+        </p:nvSpPr>
+        <p:spPr/>
+        <p:txBody>
+          <a:bodyPr/>
+          <a:lstStyle/>
+          <a:p>
+            <a:fld id="{46C85C01-8CC1-5647-ADC9-AB45240C909A}" type="datetimeFigureOut">
+              <a:rPr lang="en-NL" smtClean="0"/>
+              <a:t>14/09/2023</a:t>
+            </a:fld>
+            <a:endParaRPr lang="en-NL"/>
+          </a:p>
+        </p:txBody>
+      </p:sp>
+      <p:sp>
+        <p:nvSpPr>
+          <p:cNvPr id="5" name="Footer Placeholder 4">
+            <a:extLst>
+              <a:ext uri="{FF2B5EF4-FFF2-40B4-BE49-F238E27FC236}">
+                <a16:creationId xmlns:a16="http://schemas.microsoft.com/office/drawing/2014/main" id="{A8306E35-F90E-D7DB-1696-BC83415E2DA6}"/>
+              </a:ext>
+            </a:extLst>
+          </p:cNvPr>
+          <p:cNvSpPr>
+            <a:spLocks noGrp="1"/>
+          </p:cNvSpPr>
+          <p:nvPr>
+            <p:ph type="ftr" sz="quarter" idx="11"/>
+          </p:nvPr>
+        </p:nvSpPr>
+        <p:spPr/>
+        <p:txBody>
+          <a:bodyPr/>
+          <a:lstStyle/>
+          <a:p>
+            <a:endParaRPr lang="en-NL"/>
+          </a:p>
+        </p:txBody>
+      </p:sp>
+      <p:sp>
+        <p:nvSpPr>
+          <p:cNvPr id="6" name="Slide Number Placeholder 5">
+            <a:extLst>
+              <a:ext uri="{FF2B5EF4-FFF2-40B4-BE49-F238E27FC236}">
+                <a16:creationId xmlns:a16="http://schemas.microsoft.com/office/drawing/2014/main" id="{01A6BBFA-F516-F4B8-2D12-B36D9D34B045}"/>
+              </a:ext>
+            </a:extLst>
+          </p:cNvPr>
+          <p:cNvSpPr>
+            <a:spLocks noGrp="1"/>
+          </p:cNvSpPr>
+          <p:nvPr>
+            <p:ph type="sldNum" sz="quarter" idx="12"/>
+          </p:nvPr>
+        </p:nvSpPr>
+        <p:spPr/>
+        <p:txBody>
+          <a:bodyPr/>
+          <a:lstStyle/>
+          <a:p>
+            <a:fld id="{3246B37C-B99B-3F4E-BC52-4F15344E121B}" type="slidenum">
+              <a:rPr lang="en-NL" smtClean="0"/>
+              <a:t>‹#›</a:t>
+            </a:fld>
+            <a:endParaRPr lang="en-NL"/>
+          </a:p>
+        </p:txBody>
+      </p:sp>
+    </p:spTree>
+    <p:extLst>
+      <p:ext uri="{BB962C8B-B14F-4D97-AF65-F5344CB8AC3E}">
+        <p14:creationId xmlns:p14="http://schemas.microsoft.com/office/powerpoint/2010/main" val="215518325"/>
+      </p:ext>
+    </p:extLst>
+  </p:cSld>
+  <p:clrMapOvr>
+    <a:masterClrMapping/>
+  </p:clrMapOvr>
+</p:sldLayout>
+</file>
+
+<file path=ppt/slideLayouts/slideLayout9.xml><?xml version="1.0" encoding="utf-8"?>
 <p:sldLayout xmlns:a="http://schemas.openxmlformats.org/drawingml/2006/main" xmlns:r="http://schemas.openxmlformats.org/officeDocument/2006/relationships" xmlns:p="http://schemas.openxmlformats.org/presentationml/2006/main" type="title" preserve="1">
   <p:cSld name="Titeldia">
     <p:bg>
@@ -4391,256 +4924,13 @@
 </p:sldLayout>
 </file>
 
-<file path=ppt/slideLayouts/slideLayout9.xml><?xml version="1.0" encoding="utf-8"?>
-<p:sldLayout xmlns:a="http://schemas.openxmlformats.org/drawingml/2006/main" xmlns:r="http://schemas.openxmlformats.org/officeDocument/2006/relationships" xmlns:p="http://schemas.openxmlformats.org/presentationml/2006/main" preserve="1" userDrawn="1">
-  <p:cSld name="Content pagina 1">
-    <p:spTree>
-      <p:nvGrpSpPr>
-        <p:cNvPr id="1" name=""/>
-        <p:cNvGrpSpPr/>
-        <p:nvPr/>
-      </p:nvGrpSpPr>
-      <p:grpSpPr>
-        <a:xfrm>
-          <a:off x="0" y="0"/>
-          <a:ext cx="0" cy="0"/>
-          <a:chOff x="0" y="0"/>
-          <a:chExt cx="0" cy="0"/>
-        </a:xfrm>
-      </p:grpSpPr>
-      <p:sp>
-        <p:nvSpPr>
-          <p:cNvPr id="2" name="Titel 1">
-            <a:extLst>
-              <a:ext uri="{FF2B5EF4-FFF2-40B4-BE49-F238E27FC236}">
-                <a16:creationId xmlns:a16="http://schemas.microsoft.com/office/drawing/2014/main" id="{3400A9EC-8FAC-414E-A6AE-B6CCD6755AB9}"/>
-              </a:ext>
-            </a:extLst>
-          </p:cNvPr>
-          <p:cNvSpPr>
-            <a:spLocks noGrp="1"/>
-          </p:cNvSpPr>
-          <p:nvPr>
-            <p:ph type="title"/>
-          </p:nvPr>
-        </p:nvSpPr>
-        <p:spPr>
-          <a:xfrm>
-            <a:off x="839788" y="365125"/>
-            <a:ext cx="10515600" cy="1325563"/>
-          </a:xfrm>
-        </p:spPr>
-        <p:txBody>
-          <a:bodyPr/>
-          <a:lstStyle/>
-          <a:p>
-            <a:r>
-              <a:rPr lang="nl-NL" dirty="0"/>
-              <a:t>Klik om de stijl te bewerken</a:t>
-            </a:r>
-          </a:p>
-        </p:txBody>
-      </p:sp>
-      <p:sp>
-        <p:nvSpPr>
-          <p:cNvPr id="4" name="Tijdelijke aanduiding voor inhoud 3">
-            <a:extLst>
-              <a:ext uri="{FF2B5EF4-FFF2-40B4-BE49-F238E27FC236}">
-                <a16:creationId xmlns:a16="http://schemas.microsoft.com/office/drawing/2014/main" id="{2AA898FB-975C-496C-98BF-7A78075EA42F}"/>
-              </a:ext>
-            </a:extLst>
-          </p:cNvPr>
-          <p:cNvSpPr>
-            <a:spLocks noGrp="1"/>
-          </p:cNvSpPr>
-          <p:nvPr>
-            <p:ph sz="half" idx="2"/>
-          </p:nvPr>
-        </p:nvSpPr>
-        <p:spPr>
-          <a:xfrm>
-            <a:off x="838800" y="1825200"/>
-            <a:ext cx="10515600" cy="4352400"/>
-          </a:xfrm>
-        </p:spPr>
-        <p:txBody>
-          <a:bodyPr/>
-          <a:lstStyle/>
-          <a:p>
-            <a:pPr lvl="0"/>
-            <a:r>
-              <a:rPr lang="nl-NL" dirty="0"/>
-              <a:t>Tekststijl van het model bewerken</a:t>
-            </a:r>
-          </a:p>
-          <a:p>
-            <a:pPr lvl="1"/>
-            <a:r>
-              <a:rPr lang="nl-NL" dirty="0"/>
-              <a:t>Tweede niveau</a:t>
-            </a:r>
-          </a:p>
-          <a:p>
-            <a:pPr lvl="2"/>
-            <a:r>
-              <a:rPr lang="nl-NL" dirty="0"/>
-              <a:t>Derde niveau</a:t>
-            </a:r>
-          </a:p>
-          <a:p>
-            <a:pPr lvl="3"/>
-            <a:r>
-              <a:rPr lang="nl-NL" dirty="0"/>
-              <a:t>Vierde niveau</a:t>
-            </a:r>
-          </a:p>
-          <a:p>
-            <a:pPr lvl="4"/>
-            <a:r>
-              <a:rPr lang="nl-NL" dirty="0"/>
-              <a:t>Vijfde niveau</a:t>
-            </a:r>
-          </a:p>
-        </p:txBody>
-      </p:sp>
-      <p:sp>
-        <p:nvSpPr>
-          <p:cNvPr id="5" name="Tijdelijke aanduiding voor tekst 4">
-            <a:extLst>
-              <a:ext uri="{FF2B5EF4-FFF2-40B4-BE49-F238E27FC236}">
-                <a16:creationId xmlns:a16="http://schemas.microsoft.com/office/drawing/2014/main" id="{3EAD1E7F-5B20-4CD5-A6F0-9C76E574AD9E}"/>
-              </a:ext>
-            </a:extLst>
-          </p:cNvPr>
-          <p:cNvSpPr>
-            <a:spLocks noGrp="1"/>
-          </p:cNvSpPr>
-          <p:nvPr>
-            <p:ph type="body" sz="quarter" idx="3" hasCustomPrompt="1"/>
-          </p:nvPr>
-        </p:nvSpPr>
-        <p:spPr>
-          <a:xfrm>
-            <a:off x="10492320" y="6425013"/>
-            <a:ext cx="1699680" cy="275908"/>
-          </a:xfrm>
-        </p:spPr>
-        <p:txBody>
-          <a:bodyPr anchor="b">
-            <a:normAutofit/>
-          </a:bodyPr>
-          <a:lstStyle>
-            <a:lvl1pPr marL="0" indent="0">
-              <a:buNone/>
-              <a:defRPr sz="1000" b="1">
-                <a:solidFill>
-                  <a:schemeClr val="tx1"/>
-                </a:solidFill>
-              </a:defRPr>
-            </a:lvl1pPr>
-            <a:lvl2pPr marL="457200" indent="0">
-              <a:buNone/>
-              <a:defRPr sz="2000" b="1"/>
-            </a:lvl2pPr>
-            <a:lvl3pPr marL="914400" indent="0">
-              <a:buNone/>
-              <a:defRPr sz="1800" b="1"/>
-            </a:lvl3pPr>
-            <a:lvl4pPr marL="1371600" indent="0">
-              <a:buNone/>
-              <a:defRPr sz="1600" b="1"/>
-            </a:lvl4pPr>
-            <a:lvl5pPr marL="1828800" indent="0">
-              <a:buNone/>
-              <a:defRPr sz="1600" b="1"/>
-            </a:lvl5pPr>
-            <a:lvl6pPr marL="2286000" indent="0">
-              <a:buNone/>
-              <a:defRPr sz="1600" b="1"/>
-            </a:lvl6pPr>
-            <a:lvl7pPr marL="2743200" indent="0">
-              <a:buNone/>
-              <a:defRPr sz="1600" b="1"/>
-            </a:lvl7pPr>
-            <a:lvl8pPr marL="3200400" indent="0">
-              <a:buNone/>
-              <a:defRPr sz="1600" b="1"/>
-            </a:lvl8pPr>
-            <a:lvl9pPr marL="3657600" indent="0">
-              <a:buNone/>
-              <a:defRPr sz="1600" b="1"/>
-            </a:lvl9pPr>
-          </a:lstStyle>
-          <a:p>
-            <a:pPr lvl="0"/>
-            <a:r>
-              <a:rPr lang="nl-NL" dirty="0"/>
-              <a:t>Vul hier bedrijfsnaam in</a:t>
-            </a:r>
-          </a:p>
-        </p:txBody>
-      </p:sp>
-      <p:sp>
-        <p:nvSpPr>
-          <p:cNvPr id="10" name="Tekstvak 9">
-            <a:extLst>
-              <a:ext uri="{FF2B5EF4-FFF2-40B4-BE49-F238E27FC236}">
-                <a16:creationId xmlns:a16="http://schemas.microsoft.com/office/drawing/2014/main" id="{8881721C-29A2-4908-82A1-0902A200B9DB}"/>
-              </a:ext>
-            </a:extLst>
-          </p:cNvPr>
-          <p:cNvSpPr txBox="1"/>
-          <p:nvPr userDrawn="1"/>
-        </p:nvSpPr>
-        <p:spPr>
-          <a:xfrm>
-            <a:off x="9637200" y="6454800"/>
-            <a:ext cx="1717040" cy="246221"/>
-          </a:xfrm>
-          <a:prstGeom prst="rect">
-            <a:avLst/>
-          </a:prstGeom>
-          <a:noFill/>
-        </p:spPr>
-        <p:txBody>
-          <a:bodyPr wrap="square" rtlCol="0">
-            <a:spAutoFit/>
-          </a:bodyPr>
-          <a:lstStyle/>
-          <a:p>
-            <a:r>
-              <a:rPr lang="nl-NL" sz="1000" b="1" dirty="0">
-                <a:solidFill>
-                  <a:srgbClr val="9E9F9E"/>
-                </a:solidFill>
-                <a:latin typeface="Arial" panose="020B0604020202020204" pitchFamily="34" charset="0"/>
-                <a:cs typeface="Arial" panose="020B0604020202020204" pitchFamily="34" charset="0"/>
-              </a:rPr>
-              <a:t>Da Vinci voor</a:t>
-            </a:r>
-          </a:p>
-        </p:txBody>
-      </p:sp>
-    </p:spTree>
-    <p:extLst>
-      <p:ext uri="{BB962C8B-B14F-4D97-AF65-F5344CB8AC3E}">
-        <p14:creationId xmlns:p14="http://schemas.microsoft.com/office/powerpoint/2010/main" val="3272767773"/>
-      </p:ext>
-    </p:extLst>
-  </p:cSld>
-  <p:clrMapOvr>
-    <a:masterClrMapping/>
-  </p:clrMapOvr>
-</p:sldLayout>
-</file>
-
 <file path=ppt/slideMasters/slideMaster1.xml><?xml version="1.0" encoding="utf-8"?>
 <p:sldMaster xmlns:a="http://schemas.openxmlformats.org/drawingml/2006/main" xmlns:r="http://schemas.openxmlformats.org/officeDocument/2006/relationships" xmlns:p="http://schemas.openxmlformats.org/presentationml/2006/main" preserve="1">
   <p:cSld>
     <p:bg>
       <p:bgPr>
         <a:blipFill dpi="0" rotWithShape="1">
-          <a:blip r:embed="rId9">
+          <a:blip r:embed="rId10">
             <a:lum/>
           </a:blip>
           <a:srcRect/>
@@ -4786,6 +5076,7 @@
     <p:sldLayoutId id="2147483668" r:id="rId5"/>
     <p:sldLayoutId id="2147483669" r:id="rId6"/>
     <p:sldLayoutId id="2147483665" r:id="rId7"/>
+    <p:sldLayoutId id="2147483678" r:id="rId8"/>
   </p:sldLayoutIdLst>
   <p:txStyles>
     <p:titleStyle>
@@ -5641,7 +5932,630 @@
 </p:sld>
 </file>
 
+<file path=ppt/slides/slide10.xml><?xml version="1.0" encoding="utf-8"?>
+<p:sld xmlns:a="http://schemas.openxmlformats.org/drawingml/2006/main" xmlns:r="http://schemas.openxmlformats.org/officeDocument/2006/relationships" xmlns:p="http://schemas.openxmlformats.org/presentationml/2006/main">
+  <p:cSld>
+    <p:spTree>
+      <p:nvGrpSpPr>
+        <p:cNvPr id="1" name=""/>
+        <p:cNvGrpSpPr/>
+        <p:nvPr/>
+      </p:nvGrpSpPr>
+      <p:grpSpPr>
+        <a:xfrm>
+          <a:off x="0" y="0"/>
+          <a:ext cx="0" cy="0"/>
+          <a:chOff x="0" y="0"/>
+          <a:chExt cx="0" cy="0"/>
+        </a:xfrm>
+      </p:grpSpPr>
+      <p:sp>
+        <p:nvSpPr>
+          <p:cNvPr id="2" name="Title 1">
+            <a:extLst>
+              <a:ext uri="{FF2B5EF4-FFF2-40B4-BE49-F238E27FC236}">
+                <a16:creationId xmlns:a16="http://schemas.microsoft.com/office/drawing/2014/main" id="{1DA121AE-C96A-7162-D121-8869FF24CCCC}"/>
+              </a:ext>
+            </a:extLst>
+          </p:cNvPr>
+          <p:cNvSpPr>
+            <a:spLocks noGrp="1"/>
+          </p:cNvSpPr>
+          <p:nvPr>
+            <p:ph type="title"/>
+          </p:nvPr>
+        </p:nvSpPr>
+        <p:spPr/>
+        <p:txBody>
+          <a:bodyPr/>
+          <a:lstStyle/>
+          <a:p>
+            <a:r>
+              <a:rPr lang="en-NL" dirty="0"/>
+              <a:t>Github</a:t>
+            </a:r>
+          </a:p>
+        </p:txBody>
+      </p:sp>
+      <p:sp>
+        <p:nvSpPr>
+          <p:cNvPr id="3" name="Content Placeholder 2">
+            <a:extLst>
+              <a:ext uri="{FF2B5EF4-FFF2-40B4-BE49-F238E27FC236}">
+                <a16:creationId xmlns:a16="http://schemas.microsoft.com/office/drawing/2014/main" id="{A52E3E83-8B2A-C3EC-A8E8-D7913F4844BA}"/>
+              </a:ext>
+            </a:extLst>
+          </p:cNvPr>
+          <p:cNvSpPr>
+            <a:spLocks noGrp="1"/>
+          </p:cNvSpPr>
+          <p:nvPr>
+            <p:ph sz="half" idx="2"/>
+          </p:nvPr>
+        </p:nvSpPr>
+        <p:spPr/>
+        <p:txBody>
+          <a:bodyPr/>
+          <a:lstStyle/>
+          <a:p>
+            <a:r>
+              <a:rPr lang="en-GB" dirty="0"/>
+              <a:t>https://</a:t>
+            </a:r>
+            <a:r>
+              <a:rPr lang="en-GB" dirty="0" err="1"/>
+              <a:t>projects.raspberrypi.org</a:t>
+            </a:r>
+            <a:r>
+              <a:rPr lang="en-GB" dirty="0"/>
+              <a:t>/</a:t>
+            </a:r>
+            <a:r>
+              <a:rPr lang="en-GB" dirty="0" err="1"/>
+              <a:t>en</a:t>
+            </a:r>
+            <a:r>
+              <a:rPr lang="en-GB" dirty="0"/>
+              <a:t>/projects/getting-started-with-git</a:t>
+            </a:r>
+            <a:endParaRPr lang="en-NL" dirty="0"/>
+          </a:p>
+        </p:txBody>
+      </p:sp>
+    </p:spTree>
+    <p:extLst>
+      <p:ext uri="{BB962C8B-B14F-4D97-AF65-F5344CB8AC3E}">
+        <p14:creationId xmlns:p14="http://schemas.microsoft.com/office/powerpoint/2010/main" val="2197708537"/>
+      </p:ext>
+    </p:extLst>
+  </p:cSld>
+  <p:clrMapOvr>
+    <a:masterClrMapping/>
+  </p:clrMapOvr>
+</p:sld>
+</file>
+
+<file path=ppt/slides/slide11.xml><?xml version="1.0" encoding="utf-8"?>
+<p:sld xmlns:a="http://schemas.openxmlformats.org/drawingml/2006/main" xmlns:r="http://schemas.openxmlformats.org/officeDocument/2006/relationships" xmlns:p="http://schemas.openxmlformats.org/presentationml/2006/main">
+  <p:cSld>
+    <p:spTree>
+      <p:nvGrpSpPr>
+        <p:cNvPr id="1" name=""/>
+        <p:cNvGrpSpPr/>
+        <p:nvPr/>
+      </p:nvGrpSpPr>
+      <p:grpSpPr>
+        <a:xfrm>
+          <a:off x="0" y="0"/>
+          <a:ext cx="0" cy="0"/>
+          <a:chOff x="0" y="0"/>
+          <a:chExt cx="0" cy="0"/>
+        </a:xfrm>
+      </p:grpSpPr>
+      <p:sp>
+        <p:nvSpPr>
+          <p:cNvPr id="2" name="Title 1">
+            <a:extLst>
+              <a:ext uri="{FF2B5EF4-FFF2-40B4-BE49-F238E27FC236}">
+                <a16:creationId xmlns:a16="http://schemas.microsoft.com/office/drawing/2014/main" id="{7DA61E19-2DAB-652E-4701-0F8093E3E038}"/>
+              </a:ext>
+            </a:extLst>
+          </p:cNvPr>
+          <p:cNvSpPr>
+            <a:spLocks noGrp="1"/>
+          </p:cNvSpPr>
+          <p:nvPr>
+            <p:ph type="title"/>
+          </p:nvPr>
+        </p:nvSpPr>
+        <p:spPr/>
+        <p:txBody>
+          <a:bodyPr/>
+          <a:lstStyle/>
+          <a:p>
+            <a:endParaRPr lang="en-NL"/>
+          </a:p>
+        </p:txBody>
+      </p:sp>
+      <p:sp>
+        <p:nvSpPr>
+          <p:cNvPr id="4" name="Content Placeholder 2">
+            <a:extLst>
+              <a:ext uri="{FF2B5EF4-FFF2-40B4-BE49-F238E27FC236}">
+                <a16:creationId xmlns:a16="http://schemas.microsoft.com/office/drawing/2014/main" id="{B6892D9F-601E-98E6-6B4C-2C0FE8309CD2}"/>
+              </a:ext>
+            </a:extLst>
+          </p:cNvPr>
+          <p:cNvSpPr>
+            <a:spLocks noGrp="1"/>
+          </p:cNvSpPr>
+          <p:nvPr>
+            <p:ph sz="half" idx="2"/>
+          </p:nvPr>
+        </p:nvSpPr>
+        <p:spPr/>
+        <p:txBody>
+          <a:bodyPr/>
+          <a:lstStyle/>
+          <a:p>
+            <a:r>
+              <a:rPr lang="en-GB" dirty="0"/>
+              <a:t>https://</a:t>
+            </a:r>
+            <a:r>
+              <a:rPr lang="en-GB" dirty="0" err="1"/>
+              <a:t>learn.adafruit.com</a:t>
+            </a:r>
+            <a:r>
+              <a:rPr lang="en-GB" dirty="0"/>
+              <a:t>/raspberry-pi-</a:t>
+            </a:r>
+            <a:r>
+              <a:rPr lang="en-GB" dirty="0" err="1"/>
+              <a:t>analog</a:t>
+            </a:r>
+            <a:r>
+              <a:rPr lang="en-GB" dirty="0"/>
+              <a:t>-to-digital-converters/ads1015-slash-ads1115</a:t>
+            </a:r>
+            <a:endParaRPr lang="en-NL" dirty="0"/>
+          </a:p>
+        </p:txBody>
+      </p:sp>
+    </p:spTree>
+    <p:extLst>
+      <p:ext uri="{BB962C8B-B14F-4D97-AF65-F5344CB8AC3E}">
+        <p14:creationId xmlns:p14="http://schemas.microsoft.com/office/powerpoint/2010/main" val="671774921"/>
+      </p:ext>
+    </p:extLst>
+  </p:cSld>
+  <p:clrMapOvr>
+    <a:masterClrMapping/>
+  </p:clrMapOvr>
+</p:sld>
+</file>
+
+<file path=ppt/slides/slide12.xml><?xml version="1.0" encoding="utf-8"?>
+<p:sld xmlns:a="http://schemas.openxmlformats.org/drawingml/2006/main" xmlns:r="http://schemas.openxmlformats.org/officeDocument/2006/relationships" xmlns:p="http://schemas.openxmlformats.org/presentationml/2006/main">
+  <p:cSld>
+    <p:spTree>
+      <p:nvGrpSpPr>
+        <p:cNvPr id="1" name=""/>
+        <p:cNvGrpSpPr/>
+        <p:nvPr/>
+      </p:nvGrpSpPr>
+      <p:grpSpPr>
+        <a:xfrm>
+          <a:off x="0" y="0"/>
+          <a:ext cx="0" cy="0"/>
+          <a:chOff x="0" y="0"/>
+          <a:chExt cx="0" cy="0"/>
+        </a:xfrm>
+      </p:grpSpPr>
+      <p:sp>
+        <p:nvSpPr>
+          <p:cNvPr id="2" name="Titel 4">
+            <a:extLst>
+              <a:ext uri="{FF2B5EF4-FFF2-40B4-BE49-F238E27FC236}">
+                <a16:creationId xmlns:a16="http://schemas.microsoft.com/office/drawing/2014/main" id="{5C3B8EC0-2D4E-0A44-B38A-F2B3A1348F59}"/>
+              </a:ext>
+            </a:extLst>
+          </p:cNvPr>
+          <p:cNvSpPr txBox="1">
+            <a:spLocks/>
+          </p:cNvSpPr>
+          <p:nvPr/>
+        </p:nvSpPr>
+        <p:spPr>
+          <a:xfrm>
+            <a:off x="839788" y="365125"/>
+            <a:ext cx="10515600" cy="1325563"/>
+          </a:xfrm>
+          <a:prstGeom prst="rect">
+            <a:avLst/>
+          </a:prstGeom>
+        </p:spPr>
+        <p:txBody>
+          <a:bodyPr/>
+          <a:lstStyle>
+            <a:lvl1pPr algn="l" defTabSz="914400" rtl="0" eaLnBrk="1" latinLnBrk="0" hangingPunct="1">
+              <a:lnSpc>
+                <a:spcPct val="90000"/>
+              </a:lnSpc>
+              <a:spcBef>
+                <a:spcPct val="0"/>
+              </a:spcBef>
+              <a:buNone/>
+              <a:defRPr sz="2600" kern="1200">
+                <a:solidFill>
+                  <a:srgbClr val="00A78E"/>
+                </a:solidFill>
+                <a:latin typeface="Arial Black" panose="020B0A04020102020204" pitchFamily="34" charset="0"/>
+                <a:ea typeface="+mj-ea"/>
+                <a:cs typeface="+mj-cs"/>
+              </a:defRPr>
+            </a:lvl1pPr>
+          </a:lstStyle>
+          <a:p>
+            <a:r>
+              <a:rPr lang="en-GB" b="1" dirty="0" err="1"/>
+              <a:t>Vragen</a:t>
+            </a:r>
+            <a:r>
+              <a:rPr lang="en-GB" b="1" dirty="0"/>
+              <a:t> ?????</a:t>
+            </a:r>
+            <a:endParaRPr lang="nl-NL" dirty="0"/>
+          </a:p>
+        </p:txBody>
+      </p:sp>
+    </p:spTree>
+    <p:extLst>
+      <p:ext uri="{BB962C8B-B14F-4D97-AF65-F5344CB8AC3E}">
+        <p14:creationId xmlns:p14="http://schemas.microsoft.com/office/powerpoint/2010/main" val="4244846622"/>
+      </p:ext>
+    </p:extLst>
+  </p:cSld>
+  <p:clrMapOvr>
+    <a:masterClrMapping/>
+  </p:clrMapOvr>
+</p:sld>
+</file>
+
 <file path=ppt/slides/slide2.xml><?xml version="1.0" encoding="utf-8"?>
+<p:sld xmlns:a="http://schemas.openxmlformats.org/drawingml/2006/main" xmlns:r="http://schemas.openxmlformats.org/officeDocument/2006/relationships" xmlns:p="http://schemas.openxmlformats.org/presentationml/2006/main">
+  <p:cSld>
+    <p:spTree>
+      <p:nvGrpSpPr>
+        <p:cNvPr id="1" name=""/>
+        <p:cNvGrpSpPr/>
+        <p:nvPr/>
+      </p:nvGrpSpPr>
+      <p:grpSpPr>
+        <a:xfrm>
+          <a:off x="0" y="0"/>
+          <a:ext cx="0" cy="0"/>
+          <a:chOff x="0" y="0"/>
+          <a:chExt cx="0" cy="0"/>
+        </a:xfrm>
+      </p:grpSpPr>
+      <p:sp>
+        <p:nvSpPr>
+          <p:cNvPr id="2" name="Title 1">
+            <a:extLst>
+              <a:ext uri="{FF2B5EF4-FFF2-40B4-BE49-F238E27FC236}">
+                <a16:creationId xmlns:a16="http://schemas.microsoft.com/office/drawing/2014/main" id="{4DA2E5CB-0F63-6879-250F-212A6D18A6CD}"/>
+              </a:ext>
+            </a:extLst>
+          </p:cNvPr>
+          <p:cNvSpPr>
+            <a:spLocks noGrp="1"/>
+          </p:cNvSpPr>
+          <p:nvPr>
+            <p:ph type="title"/>
+          </p:nvPr>
+        </p:nvSpPr>
+        <p:spPr>
+          <a:xfrm>
+            <a:off x="838200" y="365125"/>
+            <a:ext cx="6261243" cy="1325563"/>
+          </a:xfrm>
+        </p:spPr>
+        <p:txBody>
+          <a:bodyPr/>
+          <a:lstStyle/>
+          <a:p>
+            <a:r>
+              <a:rPr lang="en-NL" dirty="0"/>
+              <a:t>Leds aansluiten</a:t>
+            </a:r>
+          </a:p>
+        </p:txBody>
+      </p:sp>
+      <p:sp>
+        <p:nvSpPr>
+          <p:cNvPr id="3" name="Content Placeholder 2">
+            <a:extLst>
+              <a:ext uri="{FF2B5EF4-FFF2-40B4-BE49-F238E27FC236}">
+                <a16:creationId xmlns:a16="http://schemas.microsoft.com/office/drawing/2014/main" id="{4F259B1D-00B4-61C2-A610-55B7AB2182A1}"/>
+              </a:ext>
+            </a:extLst>
+          </p:cNvPr>
+          <p:cNvSpPr>
+            <a:spLocks noGrp="1"/>
+          </p:cNvSpPr>
+          <p:nvPr>
+            <p:ph idx="1"/>
+          </p:nvPr>
+        </p:nvSpPr>
+        <p:spPr/>
+        <p:txBody>
+          <a:bodyPr/>
+          <a:lstStyle/>
+          <a:p>
+            <a:endParaRPr lang="en-NL" dirty="0"/>
+          </a:p>
+        </p:txBody>
+      </p:sp>
+      <p:pic>
+        <p:nvPicPr>
+          <p:cNvPr id="4" name="Picture 3">
+            <a:extLst>
+              <a:ext uri="{FF2B5EF4-FFF2-40B4-BE49-F238E27FC236}">
+                <a16:creationId xmlns:a16="http://schemas.microsoft.com/office/drawing/2014/main" id="{1794A0EF-1E3A-43A6-F881-2D2B2BDEE669}"/>
+              </a:ext>
+            </a:extLst>
+          </p:cNvPr>
+          <p:cNvPicPr>
+            <a:picLocks noChangeAspect="1"/>
+          </p:cNvPicPr>
+          <p:nvPr/>
+        </p:nvPicPr>
+        <p:blipFill>
+          <a:blip r:embed="rId2"/>
+          <a:stretch>
+            <a:fillRect/>
+          </a:stretch>
+        </p:blipFill>
+        <p:spPr>
+          <a:xfrm>
+            <a:off x="6678631" y="-143838"/>
+            <a:ext cx="4675169" cy="6858000"/>
+          </a:xfrm>
+          <a:prstGeom prst="rect">
+            <a:avLst/>
+          </a:prstGeom>
+        </p:spPr>
+      </p:pic>
+    </p:spTree>
+    <p:extLst>
+      <p:ext uri="{BB962C8B-B14F-4D97-AF65-F5344CB8AC3E}">
+        <p14:creationId xmlns:p14="http://schemas.microsoft.com/office/powerpoint/2010/main" val="4077475906"/>
+      </p:ext>
+    </p:extLst>
+  </p:cSld>
+  <p:clrMapOvr>
+    <a:masterClrMapping/>
+  </p:clrMapOvr>
+</p:sld>
+</file>
+
+<file path=ppt/slides/slide3.xml><?xml version="1.0" encoding="utf-8"?>
+<p:sld xmlns:a="http://schemas.openxmlformats.org/drawingml/2006/main" xmlns:r="http://schemas.openxmlformats.org/officeDocument/2006/relationships" xmlns:p="http://schemas.openxmlformats.org/presentationml/2006/main">
+  <p:cSld>
+    <p:spTree>
+      <p:nvGrpSpPr>
+        <p:cNvPr id="1" name=""/>
+        <p:cNvGrpSpPr/>
+        <p:nvPr/>
+      </p:nvGrpSpPr>
+      <p:grpSpPr>
+        <a:xfrm>
+          <a:off x="0" y="0"/>
+          <a:ext cx="0" cy="0"/>
+          <a:chOff x="0" y="0"/>
+          <a:chExt cx="0" cy="0"/>
+        </a:xfrm>
+      </p:grpSpPr>
+      <p:pic>
+        <p:nvPicPr>
+          <p:cNvPr id="2050" name="Picture 2">
+            <a:extLst>
+              <a:ext uri="{FF2B5EF4-FFF2-40B4-BE49-F238E27FC236}">
+                <a16:creationId xmlns:a16="http://schemas.microsoft.com/office/drawing/2014/main" id="{065D4C51-5189-9563-DF1C-17EFD029DEBE}"/>
+              </a:ext>
+            </a:extLst>
+          </p:cNvPr>
+          <p:cNvPicPr>
+            <a:picLocks noChangeAspect="1" noChangeArrowheads="1"/>
+          </p:cNvPicPr>
+          <p:nvPr/>
+        </p:nvPicPr>
+        <p:blipFill>
+          <a:blip r:embed="rId2">
+            <a:extLst>
+              <a:ext uri="{28A0092B-C50C-407E-A947-70E740481C1C}">
+                <a14:useLocalDpi xmlns:a14="http://schemas.microsoft.com/office/drawing/2010/main" val="0"/>
+              </a:ext>
+            </a:extLst>
+          </a:blip>
+          <a:srcRect/>
+          <a:stretch>
+            <a:fillRect/>
+          </a:stretch>
+        </p:blipFill>
+        <p:spPr bwMode="auto">
+          <a:xfrm>
+            <a:off x="1939569" y="1763527"/>
+            <a:ext cx="7969715" cy="4475746"/>
+          </a:xfrm>
+          <a:prstGeom prst="rect">
+            <a:avLst/>
+          </a:prstGeom>
+          <a:noFill/>
+          <a:extLst>
+            <a:ext uri="{909E8E84-426E-40DD-AFC4-6F175D3DCCD1}">
+              <a14:hiddenFill xmlns:a14="http://schemas.microsoft.com/office/drawing/2010/main">
+                <a:solidFill>
+                  <a:srgbClr val="FFFFFF"/>
+                </a:solidFill>
+              </a14:hiddenFill>
+            </a:ext>
+          </a:extLst>
+        </p:spPr>
+      </p:pic>
+      <p:sp>
+        <p:nvSpPr>
+          <p:cNvPr id="4" name="Title 1">
+            <a:extLst>
+              <a:ext uri="{FF2B5EF4-FFF2-40B4-BE49-F238E27FC236}">
+                <a16:creationId xmlns:a16="http://schemas.microsoft.com/office/drawing/2014/main" id="{89ACB1F3-6529-527D-BD1F-3E5E31B73EA9}"/>
+              </a:ext>
+            </a:extLst>
+          </p:cNvPr>
+          <p:cNvSpPr>
+            <a:spLocks noGrp="1"/>
+          </p:cNvSpPr>
+          <p:nvPr>
+            <p:ph type="title"/>
+          </p:nvPr>
+        </p:nvSpPr>
+        <p:spPr>
+          <a:xfrm>
+            <a:off x="839788" y="365125"/>
+            <a:ext cx="10515600" cy="1325563"/>
+          </a:xfrm>
+        </p:spPr>
+        <p:txBody>
+          <a:bodyPr/>
+          <a:lstStyle/>
+          <a:p>
+            <a:r>
+              <a:rPr lang="en-NL" dirty="0"/>
+              <a:t>Eindopstelling</a:t>
+            </a:r>
+          </a:p>
+        </p:txBody>
+      </p:sp>
+    </p:spTree>
+    <p:extLst>
+      <p:ext uri="{BB962C8B-B14F-4D97-AF65-F5344CB8AC3E}">
+        <p14:creationId xmlns:p14="http://schemas.microsoft.com/office/powerpoint/2010/main" val="633054306"/>
+      </p:ext>
+    </p:extLst>
+  </p:cSld>
+  <p:clrMapOvr>
+    <a:masterClrMapping/>
+  </p:clrMapOvr>
+</p:sld>
+</file>
+
+<file path=ppt/slides/slide4.xml><?xml version="1.0" encoding="utf-8"?>
+<p:sld xmlns:a="http://schemas.openxmlformats.org/drawingml/2006/main" xmlns:r="http://schemas.openxmlformats.org/officeDocument/2006/relationships" xmlns:p="http://schemas.openxmlformats.org/presentationml/2006/main">
+  <p:cSld>
+    <p:spTree>
+      <p:nvGrpSpPr>
+        <p:cNvPr id="1" name=""/>
+        <p:cNvGrpSpPr/>
+        <p:nvPr/>
+      </p:nvGrpSpPr>
+      <p:grpSpPr>
+        <a:xfrm>
+          <a:off x="0" y="0"/>
+          <a:ext cx="0" cy="0"/>
+          <a:chOff x="0" y="0"/>
+          <a:chExt cx="0" cy="0"/>
+        </a:xfrm>
+      </p:grpSpPr>
+      <p:sp>
+        <p:nvSpPr>
+          <p:cNvPr id="2" name="Title 1">
+            <a:extLst>
+              <a:ext uri="{FF2B5EF4-FFF2-40B4-BE49-F238E27FC236}">
+                <a16:creationId xmlns:a16="http://schemas.microsoft.com/office/drawing/2014/main" id="{8EAC73F0-CBC0-FF24-CF5D-2E4FE8143362}"/>
+              </a:ext>
+            </a:extLst>
+          </p:cNvPr>
+          <p:cNvSpPr>
+            <a:spLocks noGrp="1"/>
+          </p:cNvSpPr>
+          <p:nvPr>
+            <p:ph type="title"/>
+          </p:nvPr>
+        </p:nvSpPr>
+        <p:spPr/>
+        <p:txBody>
+          <a:bodyPr/>
+          <a:lstStyle/>
+          <a:p>
+            <a:r>
+              <a:rPr lang="en-NL" dirty="0"/>
+              <a:t>Gebruik van de PI</a:t>
+            </a:r>
+          </a:p>
+        </p:txBody>
+      </p:sp>
+      <p:pic>
+        <p:nvPicPr>
+          <p:cNvPr id="4098" name="Picture 2">
+            <a:extLst>
+              <a:ext uri="{FF2B5EF4-FFF2-40B4-BE49-F238E27FC236}">
+                <a16:creationId xmlns:a16="http://schemas.microsoft.com/office/drawing/2014/main" id="{CCBFF2E4-A778-EEA3-44AA-6E98A99FDB25}"/>
+              </a:ext>
+            </a:extLst>
+          </p:cNvPr>
+          <p:cNvPicPr>
+            <a:picLocks noChangeAspect="1" noChangeArrowheads="1"/>
+          </p:cNvPicPr>
+          <p:nvPr/>
+        </p:nvPicPr>
+        <p:blipFill>
+          <a:blip r:embed="rId3">
+            <a:extLst>
+              <a:ext uri="{28A0092B-C50C-407E-A947-70E740481C1C}">
+                <a14:useLocalDpi xmlns:a14="http://schemas.microsoft.com/office/drawing/2010/main" val="0"/>
+              </a:ext>
+            </a:extLst>
+          </a:blip>
+          <a:srcRect/>
+          <a:stretch>
+            <a:fillRect/>
+          </a:stretch>
+        </p:blipFill>
+        <p:spPr bwMode="auto">
+          <a:xfrm>
+            <a:off x="1957510" y="1538024"/>
+            <a:ext cx="7983659" cy="5319976"/>
+          </a:xfrm>
+          <a:prstGeom prst="rect">
+            <a:avLst/>
+          </a:prstGeom>
+          <a:noFill/>
+          <a:extLst>
+            <a:ext uri="{909E8E84-426E-40DD-AFC4-6F175D3DCCD1}">
+              <a14:hiddenFill xmlns:a14="http://schemas.microsoft.com/office/drawing/2010/main">
+                <a:solidFill>
+                  <a:srgbClr val="FFFFFF"/>
+                </a:solidFill>
+              </a14:hiddenFill>
+            </a:ext>
+          </a:extLst>
+        </p:spPr>
+      </p:pic>
+    </p:spTree>
+    <p:extLst>
+      <p:ext uri="{BB962C8B-B14F-4D97-AF65-F5344CB8AC3E}">
+        <p14:creationId xmlns:p14="http://schemas.microsoft.com/office/powerpoint/2010/main" val="1816984328"/>
+      </p:ext>
+    </p:extLst>
+  </p:cSld>
+  <p:clrMapOvr>
+    <a:masterClrMapping/>
+  </p:clrMapOvr>
+</p:sld>
+</file>
+
+<file path=ppt/slides/slide5.xml><?xml version="1.0" encoding="utf-8"?>
 <p:sld xmlns:a="http://schemas.openxmlformats.org/drawingml/2006/main" xmlns:r="http://schemas.openxmlformats.org/officeDocument/2006/relationships" xmlns:p="http://schemas.openxmlformats.org/presentationml/2006/main">
   <p:cSld>
     <p:spTree>
@@ -5768,7 +6682,7 @@
 </p:sld>
 </file>
 
-<file path=ppt/slides/slide3.xml><?xml version="1.0" encoding="utf-8"?>
+<file path=ppt/slides/slide6.xml><?xml version="1.0" encoding="utf-8"?>
 <p:sld xmlns:a="http://schemas.openxmlformats.org/drawingml/2006/main" xmlns:r="http://schemas.openxmlformats.org/officeDocument/2006/relationships" xmlns:p="http://schemas.openxmlformats.org/presentationml/2006/main">
   <p:cSld>
     <p:spTree>
@@ -5858,7 +6772,7 @@
 </p:sld>
 </file>
 
-<file path=ppt/slides/slide4.xml><?xml version="1.0" encoding="utf-8"?>
+<file path=ppt/slides/slide7.xml><?xml version="1.0" encoding="utf-8"?>
 <p:sld xmlns:a="http://schemas.openxmlformats.org/drawingml/2006/main" xmlns:r="http://schemas.openxmlformats.org/officeDocument/2006/relationships" xmlns:p="http://schemas.openxmlformats.org/presentationml/2006/main">
   <p:cSld>
     <p:spTree>
@@ -5971,7 +6885,7 @@
 </p:sld>
 </file>
 
-<file path=ppt/slides/slide5.xml><?xml version="1.0" encoding="utf-8"?>
+<file path=ppt/slides/slide8.xml><?xml version="1.0" encoding="utf-8"?>
 <p:sld xmlns:a="http://schemas.openxmlformats.org/drawingml/2006/main" xmlns:r="http://schemas.openxmlformats.org/officeDocument/2006/relationships" xmlns:p="http://schemas.openxmlformats.org/presentationml/2006/main">
   <p:cSld>
     <p:spTree>
@@ -6084,7 +6998,7 @@
 </p:sld>
 </file>
 
-<file path=ppt/slides/slide6.xml><?xml version="1.0" encoding="utf-8"?>
+<file path=ppt/slides/slide9.xml><?xml version="1.0" encoding="utf-8"?>
 <p:sld xmlns:a="http://schemas.openxmlformats.org/drawingml/2006/main" xmlns:r="http://schemas.openxmlformats.org/officeDocument/2006/relationships" xmlns:p="http://schemas.openxmlformats.org/presentationml/2006/main">
   <p:cSld>
     <p:spTree>
@@ -6180,296 +7094,6 @@
     <p:extLst>
       <p:ext uri="{BB962C8B-B14F-4D97-AF65-F5344CB8AC3E}">
         <p14:creationId xmlns:p14="http://schemas.microsoft.com/office/powerpoint/2010/main" val="1915387230"/>
-      </p:ext>
-    </p:extLst>
-  </p:cSld>
-  <p:clrMapOvr>
-    <a:masterClrMapping/>
-  </p:clrMapOvr>
-</p:sld>
-</file>
-
-<file path=ppt/slides/slide7.xml><?xml version="1.0" encoding="utf-8"?>
-<p:sld xmlns:a="http://schemas.openxmlformats.org/drawingml/2006/main" xmlns:r="http://schemas.openxmlformats.org/officeDocument/2006/relationships" xmlns:p="http://schemas.openxmlformats.org/presentationml/2006/main">
-  <p:cSld>
-    <p:spTree>
-      <p:nvGrpSpPr>
-        <p:cNvPr id="1" name=""/>
-        <p:cNvGrpSpPr/>
-        <p:nvPr/>
-      </p:nvGrpSpPr>
-      <p:grpSpPr>
-        <a:xfrm>
-          <a:off x="0" y="0"/>
-          <a:ext cx="0" cy="0"/>
-          <a:chOff x="0" y="0"/>
-          <a:chExt cx="0" cy="0"/>
-        </a:xfrm>
-      </p:grpSpPr>
-      <p:sp>
-        <p:nvSpPr>
-          <p:cNvPr id="2" name="Title 1">
-            <a:extLst>
-              <a:ext uri="{FF2B5EF4-FFF2-40B4-BE49-F238E27FC236}">
-                <a16:creationId xmlns:a16="http://schemas.microsoft.com/office/drawing/2014/main" id="{1DA121AE-C96A-7162-D121-8869FF24CCCC}"/>
-              </a:ext>
-            </a:extLst>
-          </p:cNvPr>
-          <p:cNvSpPr>
-            <a:spLocks noGrp="1"/>
-          </p:cNvSpPr>
-          <p:nvPr>
-            <p:ph type="title"/>
-          </p:nvPr>
-        </p:nvSpPr>
-        <p:spPr/>
-        <p:txBody>
-          <a:bodyPr/>
-          <a:lstStyle/>
-          <a:p>
-            <a:r>
-              <a:rPr lang="en-NL" dirty="0"/>
-              <a:t>Github</a:t>
-            </a:r>
-          </a:p>
-        </p:txBody>
-      </p:sp>
-      <p:sp>
-        <p:nvSpPr>
-          <p:cNvPr id="3" name="Content Placeholder 2">
-            <a:extLst>
-              <a:ext uri="{FF2B5EF4-FFF2-40B4-BE49-F238E27FC236}">
-                <a16:creationId xmlns:a16="http://schemas.microsoft.com/office/drawing/2014/main" id="{A52E3E83-8B2A-C3EC-A8E8-D7913F4844BA}"/>
-              </a:ext>
-            </a:extLst>
-          </p:cNvPr>
-          <p:cNvSpPr>
-            <a:spLocks noGrp="1"/>
-          </p:cNvSpPr>
-          <p:nvPr>
-            <p:ph sz="half" idx="2"/>
-          </p:nvPr>
-        </p:nvSpPr>
-        <p:spPr/>
-        <p:txBody>
-          <a:bodyPr/>
-          <a:lstStyle/>
-          <a:p>
-            <a:r>
-              <a:rPr lang="en-GB" dirty="0"/>
-              <a:t>https://</a:t>
-            </a:r>
-            <a:r>
-              <a:rPr lang="en-GB" dirty="0" err="1"/>
-              <a:t>projects.raspberrypi.org</a:t>
-            </a:r>
-            <a:r>
-              <a:rPr lang="en-GB" dirty="0"/>
-              <a:t>/</a:t>
-            </a:r>
-            <a:r>
-              <a:rPr lang="en-GB" dirty="0" err="1"/>
-              <a:t>en</a:t>
-            </a:r>
-            <a:r>
-              <a:rPr lang="en-GB" dirty="0"/>
-              <a:t>/projects/getting-started-with-git</a:t>
-            </a:r>
-            <a:endParaRPr lang="en-NL" dirty="0"/>
-          </a:p>
-        </p:txBody>
-      </p:sp>
-    </p:spTree>
-    <p:extLst>
-      <p:ext uri="{BB962C8B-B14F-4D97-AF65-F5344CB8AC3E}">
-        <p14:creationId xmlns:p14="http://schemas.microsoft.com/office/powerpoint/2010/main" val="2197708537"/>
-      </p:ext>
-    </p:extLst>
-  </p:cSld>
-  <p:clrMapOvr>
-    <a:masterClrMapping/>
-  </p:clrMapOvr>
-</p:sld>
-</file>
-
-<file path=ppt/slides/slide8.xml><?xml version="1.0" encoding="utf-8"?>
-<p:sld xmlns:a="http://schemas.openxmlformats.org/drawingml/2006/main" xmlns:r="http://schemas.openxmlformats.org/officeDocument/2006/relationships" xmlns:p="http://schemas.openxmlformats.org/presentationml/2006/main">
-  <p:cSld>
-    <p:spTree>
-      <p:nvGrpSpPr>
-        <p:cNvPr id="1" name=""/>
-        <p:cNvGrpSpPr/>
-        <p:nvPr/>
-      </p:nvGrpSpPr>
-      <p:grpSpPr>
-        <a:xfrm>
-          <a:off x="0" y="0"/>
-          <a:ext cx="0" cy="0"/>
-          <a:chOff x="0" y="0"/>
-          <a:chExt cx="0" cy="0"/>
-        </a:xfrm>
-      </p:grpSpPr>
-      <p:sp>
-        <p:nvSpPr>
-          <p:cNvPr id="2" name="Title 1">
-            <a:extLst>
-              <a:ext uri="{FF2B5EF4-FFF2-40B4-BE49-F238E27FC236}">
-                <a16:creationId xmlns:a16="http://schemas.microsoft.com/office/drawing/2014/main" id="{7DA61E19-2DAB-652E-4701-0F8093E3E038}"/>
-              </a:ext>
-            </a:extLst>
-          </p:cNvPr>
-          <p:cNvSpPr>
-            <a:spLocks noGrp="1"/>
-          </p:cNvSpPr>
-          <p:nvPr>
-            <p:ph type="title"/>
-          </p:nvPr>
-        </p:nvSpPr>
-        <p:spPr/>
-        <p:txBody>
-          <a:bodyPr/>
-          <a:lstStyle/>
-          <a:p>
-            <a:endParaRPr lang="en-NL"/>
-          </a:p>
-        </p:txBody>
-      </p:sp>
-      <p:sp>
-        <p:nvSpPr>
-          <p:cNvPr id="4" name="Content Placeholder 2">
-            <a:extLst>
-              <a:ext uri="{FF2B5EF4-FFF2-40B4-BE49-F238E27FC236}">
-                <a16:creationId xmlns:a16="http://schemas.microsoft.com/office/drawing/2014/main" id="{B6892D9F-601E-98E6-6B4C-2C0FE8309CD2}"/>
-              </a:ext>
-            </a:extLst>
-          </p:cNvPr>
-          <p:cNvSpPr>
-            <a:spLocks noGrp="1"/>
-          </p:cNvSpPr>
-          <p:nvPr>
-            <p:ph sz="half" idx="2"/>
-          </p:nvPr>
-        </p:nvSpPr>
-        <p:spPr/>
-        <p:txBody>
-          <a:bodyPr/>
-          <a:lstStyle/>
-          <a:p>
-            <a:r>
-              <a:rPr lang="en-GB" dirty="0"/>
-              <a:t>https://</a:t>
-            </a:r>
-            <a:r>
-              <a:rPr lang="en-GB" dirty="0" err="1"/>
-              <a:t>learn.adafruit.com</a:t>
-            </a:r>
-            <a:r>
-              <a:rPr lang="en-GB" dirty="0"/>
-              <a:t>/raspberry-pi-</a:t>
-            </a:r>
-            <a:r>
-              <a:rPr lang="en-GB" dirty="0" err="1"/>
-              <a:t>analog</a:t>
-            </a:r>
-            <a:r>
-              <a:rPr lang="en-GB" dirty="0"/>
-              <a:t>-to-digital-converters/ads1015-slash-ads1115</a:t>
-            </a:r>
-            <a:endParaRPr lang="en-NL" dirty="0"/>
-          </a:p>
-        </p:txBody>
-      </p:sp>
-    </p:spTree>
-    <p:extLst>
-      <p:ext uri="{BB962C8B-B14F-4D97-AF65-F5344CB8AC3E}">
-        <p14:creationId xmlns:p14="http://schemas.microsoft.com/office/powerpoint/2010/main" val="671774921"/>
-      </p:ext>
-    </p:extLst>
-  </p:cSld>
-  <p:clrMapOvr>
-    <a:masterClrMapping/>
-  </p:clrMapOvr>
-</p:sld>
-</file>
-
-<file path=ppt/slides/slide9.xml><?xml version="1.0" encoding="utf-8"?>
-<p:sld xmlns:a="http://schemas.openxmlformats.org/drawingml/2006/main" xmlns:r="http://schemas.openxmlformats.org/officeDocument/2006/relationships" xmlns:p="http://schemas.openxmlformats.org/presentationml/2006/main">
-  <p:cSld>
-    <p:spTree>
-      <p:nvGrpSpPr>
-        <p:cNvPr id="1" name=""/>
-        <p:cNvGrpSpPr/>
-        <p:nvPr/>
-      </p:nvGrpSpPr>
-      <p:grpSpPr>
-        <a:xfrm>
-          <a:off x="0" y="0"/>
-          <a:ext cx="0" cy="0"/>
-          <a:chOff x="0" y="0"/>
-          <a:chExt cx="0" cy="0"/>
-        </a:xfrm>
-      </p:grpSpPr>
-      <p:sp>
-        <p:nvSpPr>
-          <p:cNvPr id="2" name="Titel 4">
-            <a:extLst>
-              <a:ext uri="{FF2B5EF4-FFF2-40B4-BE49-F238E27FC236}">
-                <a16:creationId xmlns:a16="http://schemas.microsoft.com/office/drawing/2014/main" id="{5C3B8EC0-2D4E-0A44-B38A-F2B3A1348F59}"/>
-              </a:ext>
-            </a:extLst>
-          </p:cNvPr>
-          <p:cNvSpPr txBox="1">
-            <a:spLocks/>
-          </p:cNvSpPr>
-          <p:nvPr/>
-        </p:nvSpPr>
-        <p:spPr>
-          <a:xfrm>
-            <a:off x="839788" y="365125"/>
-            <a:ext cx="10515600" cy="1325563"/>
-          </a:xfrm>
-          <a:prstGeom prst="rect">
-            <a:avLst/>
-          </a:prstGeom>
-        </p:spPr>
-        <p:txBody>
-          <a:bodyPr/>
-          <a:lstStyle>
-            <a:lvl1pPr algn="l" defTabSz="914400" rtl="0" eaLnBrk="1" latinLnBrk="0" hangingPunct="1">
-              <a:lnSpc>
-                <a:spcPct val="90000"/>
-              </a:lnSpc>
-              <a:spcBef>
-                <a:spcPct val="0"/>
-              </a:spcBef>
-              <a:buNone/>
-              <a:defRPr sz="2600" kern="1200">
-                <a:solidFill>
-                  <a:srgbClr val="00A78E"/>
-                </a:solidFill>
-                <a:latin typeface="Arial Black" panose="020B0A04020102020204" pitchFamily="34" charset="0"/>
-                <a:ea typeface="+mj-ea"/>
-                <a:cs typeface="+mj-cs"/>
-              </a:defRPr>
-            </a:lvl1pPr>
-          </a:lstStyle>
-          <a:p>
-            <a:r>
-              <a:rPr lang="en-GB" b="1" dirty="0" err="1"/>
-              <a:t>Vragen</a:t>
-            </a:r>
-            <a:r>
-              <a:rPr lang="en-GB" b="1" dirty="0"/>
-              <a:t> ?????</a:t>
-            </a:r>
-            <a:endParaRPr lang="nl-NL" dirty="0"/>
-          </a:p>
-        </p:txBody>
-      </p:sp>
-    </p:spTree>
-    <p:extLst>
-      <p:ext uri="{BB962C8B-B14F-4D97-AF65-F5344CB8AC3E}">
-        <p14:creationId xmlns:p14="http://schemas.microsoft.com/office/powerpoint/2010/main" val="4244846622"/>
       </p:ext>
     </p:extLst>
   </p:cSld>
@@ -7592,21 +8216,6 @@
 </file>
 
 <file path=customXml/item1.xml><?xml version="1.0" encoding="utf-8"?>
-<?mso-contentType ?>
-<FormTemplates xmlns="http://schemas.microsoft.com/sharepoint/v3/contenttype/forms">
-  <Display>DocumentLibraryForm</Display>
-  <Edit>DocumentLibraryForm</Edit>
-  <New>DocumentLibraryForm</New>
-</FormTemplates>
-</file>
-
-<file path=customXml/item2.xml><?xml version="1.0" encoding="utf-8"?>
-<p:properties xmlns:p="http://schemas.microsoft.com/office/2006/metadata/properties" xmlns:xsi="http://www.w3.org/2001/XMLSchema-instance" xmlns:pc="http://schemas.microsoft.com/office/infopath/2007/PartnerControls">
-  <documentManagement/>
-</p:properties>
-</file>
-
-<file path=customXml/item3.xml><?xml version="1.0" encoding="utf-8"?>
 <ct:contentTypeSchema xmlns:ct="http://schemas.microsoft.com/office/2006/metadata/contentType" xmlns:ma="http://schemas.microsoft.com/office/2006/metadata/properties/metaAttributes" ct:_="" ma:_="" ma:contentTypeName="Document" ma:contentTypeID="0x0101004EE29C275B0330428D2BFA2C8D576F4B" ma:contentTypeVersion="0" ma:contentTypeDescription="Een nieuw document maken." ma:contentTypeScope="" ma:versionID="6f3e0ea117c09d99e40ae3b100a299dc">
   <xsd:schema xmlns:xsd="http://www.w3.org/2001/XMLSchema" xmlns:xs="http://www.w3.org/2001/XMLSchema" xmlns:p="http://schemas.microsoft.com/office/2006/metadata/properties" targetNamespace="http://schemas.microsoft.com/office/2006/metadata/properties" ma:root="true" ma:fieldsID="1978a156f712f99d6452530788f7ffe9">
     <xsd:element name="properties">
@@ -7720,10 +8329,33 @@
 </ct:contentTypeSchema>
 </file>
 
+<file path=customXml/item2.xml><?xml version="1.0" encoding="utf-8"?>
+<p:properties xmlns:p="http://schemas.microsoft.com/office/2006/metadata/properties" xmlns:xsi="http://www.w3.org/2001/XMLSchema-instance" xmlns:pc="http://schemas.microsoft.com/office/infopath/2007/PartnerControls">
+  <documentManagement/>
+</p:properties>
+</file>
+
+<file path=customXml/item3.xml><?xml version="1.0" encoding="utf-8"?>
+<?mso-contentType ?>
+<FormTemplates xmlns="http://schemas.microsoft.com/sharepoint/v3/contenttype/forms">
+  <Display>DocumentLibraryForm</Display>
+  <Edit>DocumentLibraryForm</Edit>
+  <New>DocumentLibraryForm</New>
+</FormTemplates>
+</file>
+
 <file path=customXml/itemProps1.xml><?xml version="1.0" encoding="utf-8"?>
-<ds:datastoreItem xmlns:ds="http://schemas.openxmlformats.org/officeDocument/2006/customXml" ds:itemID="{C58370CC-8AF3-4E85-911D-3C7AD1FAAE10}">
+<ds:datastoreItem xmlns:ds="http://schemas.openxmlformats.org/officeDocument/2006/customXml" ds:itemID="{7C812B3D-632E-45B1-BE3D-5F5FC6F96A1A}">
   <ds:schemaRefs>
-    <ds:schemaRef ds:uri="http://schemas.microsoft.com/sharepoint/v3/contenttype/forms"/>
+    <ds:schemaRef ds:uri="http://schemas.microsoft.com/office/2006/metadata/contentType"/>
+    <ds:schemaRef ds:uri="http://schemas.microsoft.com/office/2006/metadata/properties/metaAttributes"/>
+    <ds:schemaRef ds:uri="http://www.w3.org/2001/XMLSchema"/>
+    <ds:schemaRef ds:uri="http://schemas.microsoft.com/office/2006/metadata/properties"/>
+    <ds:schemaRef ds:uri="http://schemas.openxmlformats.org/package/2006/metadata/core-properties"/>
+    <ds:schemaRef ds:uri="http://purl.org/dc/elements/1.1/"/>
+    <ds:schemaRef ds:uri="http://purl.org/dc/terms/"/>
+    <ds:schemaRef ds:uri="http://schemas.microsoft.com/internal/obd"/>
+    <ds:schemaRef ds:uri="http://schemas.microsoft.com/office/infopath/2007/PartnerControls"/>
   </ds:schemaRefs>
 </ds:datastoreItem>
 </file>
@@ -7744,17 +8376,9 @@
 </file>
 
 <file path=customXml/itemProps3.xml><?xml version="1.0" encoding="utf-8"?>
-<ds:datastoreItem xmlns:ds="http://schemas.openxmlformats.org/officeDocument/2006/customXml" ds:itemID="{7C812B3D-632E-45B1-BE3D-5F5FC6F96A1A}">
+<ds:datastoreItem xmlns:ds="http://schemas.openxmlformats.org/officeDocument/2006/customXml" ds:itemID="{C58370CC-8AF3-4E85-911D-3C7AD1FAAE10}">
   <ds:schemaRefs>
-    <ds:schemaRef ds:uri="http://schemas.microsoft.com/office/2006/metadata/contentType"/>
-    <ds:schemaRef ds:uri="http://schemas.microsoft.com/office/2006/metadata/properties/metaAttributes"/>
-    <ds:schemaRef ds:uri="http://www.w3.org/2001/XMLSchema"/>
-    <ds:schemaRef ds:uri="http://schemas.microsoft.com/office/2006/metadata/properties"/>
-    <ds:schemaRef ds:uri="http://schemas.openxmlformats.org/package/2006/metadata/core-properties"/>
-    <ds:schemaRef ds:uri="http://purl.org/dc/elements/1.1/"/>
-    <ds:schemaRef ds:uri="http://purl.org/dc/terms/"/>
-    <ds:schemaRef ds:uri="http://schemas.microsoft.com/internal/obd"/>
-    <ds:schemaRef ds:uri="http://schemas.microsoft.com/office/infopath/2007/PartnerControls"/>
+    <ds:schemaRef ds:uri="http://schemas.microsoft.com/sharepoint/v3/contenttype/forms"/>
   </ds:schemaRefs>
 </ds:datastoreItem>
 </file>